--- a/Python-Flask microservice framework.pptx
+++ b/Python-Flask microservice framework.pptx
@@ -128,6 +128,7 @@
 <file path=ppt/revisionInfo.xml><?xml version="1.0" encoding="utf-8"?>
 <p1510:revInfo xmlns:a="http://schemas.openxmlformats.org/drawingml/2006/main" xmlns:r="http://schemas.openxmlformats.org/officeDocument/2006/relationships" xmlns:p1510="http://schemas.microsoft.com/office/powerpoint/2015/10/main">
   <p1510:revLst>
+    <p1510:client id="{14BD9861-0158-FC6B-B48B-8D2E8DD589B2}" v="203" dt="2020-04-22T20:20:00.876"/>
     <p1510:client id="{55AF8B0E-96F3-EC6B-57C7-750DD671BF72}" v="1373" dt="2020-04-18T14:41:43.591"/>
     <p1510:client id="{6DB98790-CDCE-8F9E-3336-34F06DF45A94}" v="2861" dt="2020-04-18T18:51:35.585"/>
     <p1510:client id="{C9846667-9D2B-B179-0279-674080DF90D0}" v="1286" dt="2020-04-21T19:55:00.072"/>
@@ -9117,38 +9118,6 @@
           </a:p>
         </p:txBody>
       </p:sp>
-      <p:sp>
-        <p:nvSpPr>
-          <p:cNvPr id="3" name="Subtitle 2">
-            <a:extLst>
-              <a:ext uri="{FF2B5EF4-FFF2-40B4-BE49-F238E27FC236}">
-                <a16:creationId xmlns:a16="http://schemas.microsoft.com/office/drawing/2014/main" id="{A8E9CFF2-3777-4FF4-A759-8491175B0B7C}"/>
-              </a:ext>
-            </a:extLst>
-          </p:cNvPr>
-          <p:cNvSpPr>
-            <a:spLocks noGrp="1"/>
-          </p:cNvSpPr>
-          <p:nvPr>
-            <p:ph type="subTitle" idx="1"/>
-          </p:nvPr>
-        </p:nvSpPr>
-        <p:spPr>
-          <a:xfrm>
-            <a:off x="5396247" y="4645152"/>
-            <a:ext cx="5762203" cy="1143000"/>
-          </a:xfrm>
-        </p:spPr>
-        <p:txBody>
-          <a:bodyPr vert="horz" lIns="91440" tIns="45720" rIns="91440" bIns="45720" rtlCol="0" anchor="t">
-            <a:normAutofit/>
-          </a:bodyPr>
-          <a:lstStyle/>
-          <a:p>
-            <a:endParaRPr lang="en-US" dirty="0"/>
-          </a:p>
-        </p:txBody>
-      </p:sp>
       <p:pic>
         <p:nvPicPr>
           <p:cNvPr id="5" name="Picture 4">
@@ -9292,6 +9261,101 @@
             <a:schemeClr val="lt1"/>
           </a:fontRef>
         </p:style>
+      </p:sp>
+      <p:sp>
+        <p:nvSpPr>
+          <p:cNvPr id="4" name="Okvir za tekst 3">
+            <a:extLst>
+              <a:ext uri="{FF2B5EF4-FFF2-40B4-BE49-F238E27FC236}">
+                <a16:creationId xmlns:a16="http://schemas.microsoft.com/office/drawing/2014/main" id="{A140FB7F-D48B-4730-939C-9FB5EADC0BAE}"/>
+              </a:ext>
+            </a:extLst>
+          </p:cNvPr>
+          <p:cNvSpPr txBox="1"/>
+          <p:nvPr/>
+        </p:nvSpPr>
+        <p:spPr>
+          <a:xfrm>
+            <a:off x="8688860" y="4539048"/>
+            <a:ext cx="2949144" cy="923330"/>
+          </a:xfrm>
+          <a:prstGeom prst="rect">
+            <a:avLst/>
+          </a:prstGeom>
+          <a:noFill/>
+        </p:spPr>
+        <p:txBody>
+          <a:bodyPr rot="0" spcFirstLastPara="0" vertOverflow="overflow" horzOverflow="overflow" vert="horz" wrap="square" lIns="91440" tIns="45720" rIns="91440" bIns="45720" numCol="1" spcCol="0" rtlCol="0" fromWordArt="0" anchor="t" anchorCtr="0" forceAA="0" compatLnSpc="1">
+            <a:prstTxWarp prst="textNoShape">
+              <a:avLst/>
+            </a:prstTxWarp>
+            <a:spAutoFit/>
+          </a:bodyPr>
+          <a:lstStyle/>
+          <a:p>
+            <a:r>
+              <a:rPr lang="sr-Latn-RS" dirty="0"/>
+              <a:t>Studenti:</a:t>
+            </a:r>
+          </a:p>
+          <a:p>
+            <a:r>
+              <a:rPr lang="sr-Latn-RS" dirty="0"/>
+              <a:t>Miloš Veljković 16021</a:t>
+            </a:r>
+          </a:p>
+          <a:p>
+            <a:r>
+              <a:rPr lang="sr-Latn-RS" dirty="0"/>
+              <a:t>Predrag Antić 15995</a:t>
+            </a:r>
+          </a:p>
+        </p:txBody>
+      </p:sp>
+      <p:sp>
+        <p:nvSpPr>
+          <p:cNvPr id="6" name="Okvir za tekst 5">
+            <a:extLst>
+              <a:ext uri="{FF2B5EF4-FFF2-40B4-BE49-F238E27FC236}">
+                <a16:creationId xmlns:a16="http://schemas.microsoft.com/office/drawing/2014/main" id="{C42D2A3A-5F13-4AB1-BBD4-BE5B76E4D8F9}"/>
+              </a:ext>
+            </a:extLst>
+          </p:cNvPr>
+          <p:cNvSpPr txBox="1"/>
+          <p:nvPr/>
+        </p:nvSpPr>
+        <p:spPr>
+          <a:xfrm>
+            <a:off x="5536599" y="4537760"/>
+            <a:ext cx="2743199" cy="646331"/>
+          </a:xfrm>
+          <a:prstGeom prst="rect">
+            <a:avLst/>
+          </a:prstGeom>
+          <a:noFill/>
+        </p:spPr>
+        <p:txBody>
+          <a:bodyPr rot="0" spcFirstLastPara="0" vertOverflow="overflow" horzOverflow="overflow" vert="horz" wrap="square" lIns="91440" tIns="45720" rIns="91440" bIns="45720" numCol="1" spcCol="0" rtlCol="0" fromWordArt="0" anchor="t" anchorCtr="0" forceAA="0" compatLnSpc="1">
+            <a:prstTxWarp prst="textNoShape">
+              <a:avLst/>
+            </a:prstTxWarp>
+            <a:spAutoFit/>
+          </a:bodyPr>
+          <a:lstStyle/>
+          <a:p>
+            <a:pPr algn="l"/>
+            <a:r>
+              <a:rPr lang="sr-Latn-RS" dirty="0"/>
+              <a:t>Mentor:</a:t>
+            </a:r>
+          </a:p>
+          <a:p>
+            <a:r>
+              <a:rPr lang="sr-Latn-RS" dirty="0"/>
+              <a:t>Prof. dr Dragan Stojanović</a:t>
+            </a:r>
+          </a:p>
+        </p:txBody>
       </p:sp>
     </p:spTree>
     <p:extLst>
